--- a/design.pptx
+++ b/design.pptx
@@ -6342,8 +6342,8 @@
         </p:nvSpPr>
         <p:spPr>
           <a:xfrm>
-            <a:off x="177609" y="118286"/>
-            <a:ext cx="5127155" cy="6282514"/>
+            <a:off x="177609" y="118285"/>
+            <a:ext cx="5127155" cy="6437789"/>
           </a:xfrm>
           <a:prstGeom prst="rect">
             <a:avLst/>

--- a/design.pptx
+++ b/design.pptx
@@ -107,6 +107,11 @@
       </a:defRPr>
     </a:lvl9pPr>
   </p:defaultTextStyle>
+  <p:extLst>
+    <p:ext uri="{EFAFB233-063F-42B5-8137-9DF3F51BA10A}">
+      <p15:sldGuideLst xmlns:p15="http://schemas.microsoft.com/office/powerpoint/2012/main"/>
+    </p:ext>
+  </p:extLst>
 </p:presentation>
 </file>
 
@@ -257,7 +262,7 @@
           <a:p>
             <a:fld id="{B25065C2-7AE9-4748-914D-7161F8BD8FC7}" type="datetimeFigureOut">
               <a:rPr lang="de-DE" smtClean="0"/>
-              <a:t>09.04.2022</a:t>
+              <a:t>10.04.2022</a:t>
             </a:fld>
             <a:endParaRPr lang="de-DE"/>
           </a:p>
@@ -455,7 +460,7 @@
           <a:p>
             <a:fld id="{B25065C2-7AE9-4748-914D-7161F8BD8FC7}" type="datetimeFigureOut">
               <a:rPr lang="de-DE" smtClean="0"/>
-              <a:t>09.04.2022</a:t>
+              <a:t>10.04.2022</a:t>
             </a:fld>
             <a:endParaRPr lang="de-DE"/>
           </a:p>
@@ -663,7 +668,7 @@
           <a:p>
             <a:fld id="{B25065C2-7AE9-4748-914D-7161F8BD8FC7}" type="datetimeFigureOut">
               <a:rPr lang="de-DE" smtClean="0"/>
-              <a:t>09.04.2022</a:t>
+              <a:t>10.04.2022</a:t>
             </a:fld>
             <a:endParaRPr lang="de-DE"/>
           </a:p>
@@ -861,7 +866,7 @@
           <a:p>
             <a:fld id="{B25065C2-7AE9-4748-914D-7161F8BD8FC7}" type="datetimeFigureOut">
               <a:rPr lang="de-DE" smtClean="0"/>
-              <a:t>09.04.2022</a:t>
+              <a:t>10.04.2022</a:t>
             </a:fld>
             <a:endParaRPr lang="de-DE"/>
           </a:p>
@@ -1136,7 +1141,7 @@
           <a:p>
             <a:fld id="{B25065C2-7AE9-4748-914D-7161F8BD8FC7}" type="datetimeFigureOut">
               <a:rPr lang="de-DE" smtClean="0"/>
-              <a:t>09.04.2022</a:t>
+              <a:t>10.04.2022</a:t>
             </a:fld>
             <a:endParaRPr lang="de-DE"/>
           </a:p>
@@ -1401,7 +1406,7 @@
           <a:p>
             <a:fld id="{B25065C2-7AE9-4748-914D-7161F8BD8FC7}" type="datetimeFigureOut">
               <a:rPr lang="de-DE" smtClean="0"/>
-              <a:t>09.04.2022</a:t>
+              <a:t>10.04.2022</a:t>
             </a:fld>
             <a:endParaRPr lang="de-DE"/>
           </a:p>
@@ -1813,7 +1818,7 @@
           <a:p>
             <a:fld id="{B25065C2-7AE9-4748-914D-7161F8BD8FC7}" type="datetimeFigureOut">
               <a:rPr lang="de-DE" smtClean="0"/>
-              <a:t>09.04.2022</a:t>
+              <a:t>10.04.2022</a:t>
             </a:fld>
             <a:endParaRPr lang="de-DE"/>
           </a:p>
@@ -1954,7 +1959,7 @@
           <a:p>
             <a:fld id="{B25065C2-7AE9-4748-914D-7161F8BD8FC7}" type="datetimeFigureOut">
               <a:rPr lang="de-DE" smtClean="0"/>
-              <a:t>09.04.2022</a:t>
+              <a:t>10.04.2022</a:t>
             </a:fld>
             <a:endParaRPr lang="de-DE"/>
           </a:p>
@@ -2067,7 +2072,7 @@
           <a:p>
             <a:fld id="{B25065C2-7AE9-4748-914D-7161F8BD8FC7}" type="datetimeFigureOut">
               <a:rPr lang="de-DE" smtClean="0"/>
-              <a:t>09.04.2022</a:t>
+              <a:t>10.04.2022</a:t>
             </a:fld>
             <a:endParaRPr lang="de-DE"/>
           </a:p>
@@ -2378,7 +2383,7 @@
           <a:p>
             <a:fld id="{B25065C2-7AE9-4748-914D-7161F8BD8FC7}" type="datetimeFigureOut">
               <a:rPr lang="de-DE" smtClean="0"/>
-              <a:t>09.04.2022</a:t>
+              <a:t>10.04.2022</a:t>
             </a:fld>
             <a:endParaRPr lang="de-DE"/>
           </a:p>
@@ -2666,7 +2671,7 @@
           <a:p>
             <a:fld id="{B25065C2-7AE9-4748-914D-7161F8BD8FC7}" type="datetimeFigureOut">
               <a:rPr lang="de-DE" smtClean="0"/>
-              <a:t>09.04.2022</a:t>
+              <a:t>10.04.2022</a:t>
             </a:fld>
             <a:endParaRPr lang="de-DE"/>
           </a:p>
@@ -2907,7 +2912,7 @@
           <a:p>
             <a:fld id="{B25065C2-7AE9-4748-914D-7161F8BD8FC7}" type="datetimeFigureOut">
               <a:rPr lang="de-DE" smtClean="0"/>
-              <a:t>09.04.2022</a:t>
+              <a:t>10.04.2022</a:t>
             </a:fld>
             <a:endParaRPr lang="de-DE"/>
           </a:p>
@@ -7604,7 +7609,7 @@
         <p:spPr>
           <a:xfrm>
             <a:off x="5434629" y="0"/>
-            <a:ext cx="5127155" cy="2976113"/>
+            <a:ext cx="5127155" cy="4608214"/>
           </a:xfrm>
           <a:prstGeom prst="rect">
             <a:avLst/>
@@ -8400,6 +8405,122 @@
               <a:rPr lang="de-DE" sz="1400" dirty="0"/>
               <a:t>* Präsentation wird optisch an die Bedingungen in der Aula angepasst</a:t>
             </a:r>
+          </a:p>
+        </p:txBody>
+      </p:sp>
+      <p:pic>
+        <p:nvPicPr>
+          <p:cNvPr id="24" name="Grafik 23">
+            <a:extLst>
+              <a:ext uri="{FF2B5EF4-FFF2-40B4-BE49-F238E27FC236}">
+                <a16:creationId xmlns:a16="http://schemas.microsoft.com/office/drawing/2014/main" id="{A1C0CFE1-5886-434B-84E1-509F6F3D59BA}"/>
+              </a:ext>
+            </a:extLst>
+          </p:cNvPr>
+          <p:cNvPicPr>
+            <a:picLocks noChangeAspect="1"/>
+          </p:cNvPicPr>
+          <p:nvPr/>
+        </p:nvPicPr>
+        <p:blipFill>
+          <a:blip r:embed="rId2"/>
+          <a:stretch>
+            <a:fillRect/>
+          </a:stretch>
+        </p:blipFill>
+        <p:spPr>
+          <a:xfrm>
+            <a:off x="5693943" y="2998077"/>
+            <a:ext cx="217068" cy="217068"/>
+          </a:xfrm>
+          <a:prstGeom prst="rect">
+            <a:avLst/>
+          </a:prstGeom>
+        </p:spPr>
+      </p:pic>
+      <p:pic>
+        <p:nvPicPr>
+          <p:cNvPr id="25" name="Picture 4" descr="BEHRINGER C4 Kondensatormikrofone matched pair: Amazon.de: Musikinstrumente  &amp; DJ-Equipment">
+            <a:extLst>
+              <a:ext uri="{FF2B5EF4-FFF2-40B4-BE49-F238E27FC236}">
+                <a16:creationId xmlns:a16="http://schemas.microsoft.com/office/drawing/2014/main" id="{6E488A29-54FB-47DC-9BE3-9D2C3CE5D123}"/>
+              </a:ext>
+            </a:extLst>
+          </p:cNvPr>
+          <p:cNvPicPr>
+            <a:picLocks noChangeAspect="1" noChangeArrowheads="1"/>
+          </p:cNvPicPr>
+          <p:nvPr/>
+        </p:nvPicPr>
+        <p:blipFill rotWithShape="1">
+          <a:blip r:embed="rId4">
+            <a:extLst>
+              <a:ext uri="{28A0092B-C50C-407E-A947-70E740481C1C}">
+                <a14:useLocalDpi xmlns:a14="http://schemas.microsoft.com/office/drawing/2010/main" val="0"/>
+              </a:ext>
+            </a:extLst>
+          </a:blip>
+          <a:srcRect t="1674" b="1674"/>
+          <a:stretch/>
+        </p:blipFill>
+        <p:spPr bwMode="auto">
+          <a:xfrm>
+            <a:off x="6039338" y="2998076"/>
+            <a:ext cx="874647" cy="874647"/>
+          </a:xfrm>
+          <a:prstGeom prst="rect">
+            <a:avLst/>
+          </a:prstGeom>
+          <a:noFill/>
+          <a:ln w="28575">
+            <a:solidFill>
+              <a:schemeClr val="tx1"/>
+            </a:solidFill>
+          </a:ln>
+          <a:extLst>
+            <a:ext uri="{909E8E84-426E-40DD-AFC4-6F175D3DCCD1}">
+              <a14:hiddenFill xmlns:a14="http://schemas.microsoft.com/office/drawing/2010/main">
+                <a:solidFill>
+                  <a:srgbClr val="FFFFFF"/>
+                </a:solidFill>
+              </a14:hiddenFill>
+            </a:ext>
+          </a:extLst>
+        </p:spPr>
+      </p:pic>
+      <p:sp>
+        <p:nvSpPr>
+          <p:cNvPr id="26" name="Textfeld 25">
+            <a:extLst>
+              <a:ext uri="{FF2B5EF4-FFF2-40B4-BE49-F238E27FC236}">
+                <a16:creationId xmlns:a16="http://schemas.microsoft.com/office/drawing/2014/main" id="{975858FF-56BC-4BA4-BD41-8BBB287D1FFD}"/>
+              </a:ext>
+            </a:extLst>
+          </p:cNvPr>
+          <p:cNvSpPr txBox="1"/>
+          <p:nvPr/>
+        </p:nvSpPr>
+        <p:spPr>
+          <a:xfrm>
+            <a:off x="7007972" y="2918616"/>
+            <a:ext cx="3348625" cy="307777"/>
+          </a:xfrm>
+          <a:prstGeom prst="rect">
+            <a:avLst/>
+          </a:prstGeom>
+          <a:noFill/>
+        </p:spPr>
+        <p:txBody>
+          <a:bodyPr wrap="square" rtlCol="0">
+            <a:spAutoFit/>
+          </a:bodyPr>
+          <a:lstStyle/>
+          <a:p>
+            <a:r>
+              <a:rPr lang="de-DE" sz="1400" dirty="0" err="1"/>
+              <a:t>lavaleries</a:t>
+            </a:r>
+            <a:endParaRPr lang="de-DE" sz="1400" dirty="0"/>
           </a:p>
         </p:txBody>
       </p:sp>
